--- a/uploads/Designs.pptx
+++ b/uploads/Designs.pptx
@@ -104,6 +104,11 @@
       </a:defRPr>
     </a:lvl9pPr>
   </p:defaultTextStyle>
+  <p:extLst>
+    <p:ext uri="{EFAFB233-063F-42B5-8137-9DF3F51BA10A}">
+      <p15:sldGuideLst xmlns:p15="http://schemas.microsoft.com/office/powerpoint/2012/main"/>
+    </p:ext>
+  </p:extLst>
 </p:presentation>
 </file>
 
@@ -442,7 +447,7 @@
           <a:p>
             <a:fld id="{99DCF06D-4D7A-4C68-9C00-16D9A57205FB}" type="datetimeFigureOut">
               <a:rPr lang="en-US" smtClean="0"/>
-              <a:t>11/9/2019</a:t>
+              <a:t>11/27/2019</a:t>
             </a:fld>
             <a:endParaRPr lang="en-US"/>
           </a:p>
@@ -1530,7 +1535,7 @@
           <a:p>
             <a:fld id="{99DCF06D-4D7A-4C68-9C00-16D9A57205FB}" type="datetimeFigureOut">
               <a:rPr lang="en-US" smtClean="0"/>
-              <a:t>11/9/2019</a:t>
+              <a:t>11/27/2019</a:t>
             </a:fld>
             <a:endParaRPr lang="en-US"/>
           </a:p>
@@ -2510,7 +2515,7 @@
           <a:p>
             <a:fld id="{99DCF06D-4D7A-4C68-9C00-16D9A57205FB}" type="datetimeFigureOut">
               <a:rPr lang="en-US" smtClean="0"/>
-              <a:t>11/9/2019</a:t>
+              <a:t>11/27/2019</a:t>
             </a:fld>
             <a:endParaRPr lang="en-US"/>
           </a:p>
@@ -3644,7 +3649,7 @@
           <a:p>
             <a:fld id="{99DCF06D-4D7A-4C68-9C00-16D9A57205FB}" type="datetimeFigureOut">
               <a:rPr lang="en-US" smtClean="0"/>
-              <a:t>11/9/2019</a:t>
+              <a:t>11/27/2019</a:t>
             </a:fld>
             <a:endParaRPr lang="en-US"/>
           </a:p>
@@ -4677,7 +4682,7 @@
           <a:p>
             <a:fld id="{99DCF06D-4D7A-4C68-9C00-16D9A57205FB}" type="datetimeFigureOut">
               <a:rPr lang="en-US" smtClean="0"/>
-              <a:t>11/9/2019</a:t>
+              <a:t>11/27/2019</a:t>
             </a:fld>
             <a:endParaRPr lang="en-US"/>
           </a:p>
@@ -5337,7 +5342,7 @@
           <a:p>
             <a:fld id="{99DCF06D-4D7A-4C68-9C00-16D9A57205FB}" type="datetimeFigureOut">
               <a:rPr lang="en-US" smtClean="0"/>
-              <a:t>11/9/2019</a:t>
+              <a:t>11/27/2019</a:t>
             </a:fld>
             <a:endParaRPr lang="en-US"/>
           </a:p>
@@ -6198,7 +6203,7 @@
           <a:p>
             <a:fld id="{99DCF06D-4D7A-4C68-9C00-16D9A57205FB}" type="datetimeFigureOut">
               <a:rPr lang="en-US" smtClean="0"/>
-              <a:t>11/9/2019</a:t>
+              <a:t>11/27/2019</a:t>
             </a:fld>
             <a:endParaRPr lang="en-US"/>
           </a:p>
@@ -6388,7 +6393,7 @@
           <a:p>
             <a:fld id="{99DCF06D-4D7A-4C68-9C00-16D9A57205FB}" type="datetimeFigureOut">
               <a:rPr lang="en-US" smtClean="0"/>
-              <a:t>11/9/2019</a:t>
+              <a:t>11/27/2019</a:t>
             </a:fld>
             <a:endParaRPr lang="en-US"/>
           </a:p>
@@ -7360,7 +7365,7 @@
           <a:p>
             <a:fld id="{99DCF06D-4D7A-4C68-9C00-16D9A57205FB}" type="datetimeFigureOut">
               <a:rPr lang="en-US" smtClean="0"/>
-              <a:t>11/9/2019</a:t>
+              <a:t>11/27/2019</a:t>
             </a:fld>
             <a:endParaRPr lang="en-US"/>
           </a:p>
@@ -7571,7 +7576,7 @@
           <a:p>
             <a:fld id="{99DCF06D-4D7A-4C68-9C00-16D9A57205FB}" type="datetimeFigureOut">
               <a:rPr lang="en-US" smtClean="0"/>
-              <a:t>11/9/2019</a:t>
+              <a:t>11/27/2019</a:t>
             </a:fld>
             <a:endParaRPr lang="en-US"/>
           </a:p>
@@ -8605,7 +8610,7 @@
           <a:p>
             <a:fld id="{99DCF06D-4D7A-4C68-9C00-16D9A57205FB}" type="datetimeFigureOut">
               <a:rPr lang="en-US" smtClean="0"/>
-              <a:t>11/9/2019</a:t>
+              <a:t>11/27/2019</a:t>
             </a:fld>
             <a:endParaRPr lang="en-US"/>
           </a:p>
@@ -8877,7 +8882,7 @@
           <a:p>
             <a:fld id="{99DCF06D-4D7A-4C68-9C00-16D9A57205FB}" type="datetimeFigureOut">
               <a:rPr lang="en-US" smtClean="0"/>
-              <a:t>11/9/2019</a:t>
+              <a:t>11/27/2019</a:t>
             </a:fld>
             <a:endParaRPr lang="en-US"/>
           </a:p>
@@ -9287,7 +9292,7 @@
           <a:p>
             <a:fld id="{99DCF06D-4D7A-4C68-9C00-16D9A57205FB}" type="datetimeFigureOut">
               <a:rPr lang="en-US" smtClean="0"/>
-              <a:t>11/9/2019</a:t>
+              <a:t>11/27/2019</a:t>
             </a:fld>
             <a:endParaRPr lang="en-US"/>
           </a:p>
@@ -9414,7 +9419,7 @@
           <a:p>
             <a:fld id="{99DCF06D-4D7A-4C68-9C00-16D9A57205FB}" type="datetimeFigureOut">
               <a:rPr lang="en-US" smtClean="0"/>
-              <a:t>11/9/2019</a:t>
+              <a:t>11/27/2019</a:t>
             </a:fld>
             <a:endParaRPr lang="en-US"/>
           </a:p>
@@ -9509,7 +9514,7 @@
           <a:p>
             <a:fld id="{99DCF06D-4D7A-4C68-9C00-16D9A57205FB}" type="datetimeFigureOut">
               <a:rPr lang="en-US" smtClean="0"/>
-              <a:t>11/9/2019</a:t>
+              <a:t>11/27/2019</a:t>
             </a:fld>
             <a:endParaRPr lang="en-US"/>
           </a:p>
@@ -10590,7 +10595,7 @@
           <a:p>
             <a:fld id="{99DCF06D-4D7A-4C68-9C00-16D9A57205FB}" type="datetimeFigureOut">
               <a:rPr lang="en-US" smtClean="0"/>
-              <a:t>11/9/2019</a:t>
+              <a:t>11/27/2019</a:t>
             </a:fld>
             <a:endParaRPr lang="en-US"/>
           </a:p>
@@ -11698,7 +11703,7 @@
           <a:p>
             <a:fld id="{99DCF06D-4D7A-4C68-9C00-16D9A57205FB}" type="datetimeFigureOut">
               <a:rPr lang="en-US" smtClean="0"/>
-              <a:t>11/9/2019</a:t>
+              <a:t>11/27/2019</a:t>
             </a:fld>
             <a:endParaRPr lang="en-US"/>
           </a:p>
@@ -12695,7 +12700,7 @@
           <a:p>
             <a:fld id="{99DCF06D-4D7A-4C68-9C00-16D9A57205FB}" type="datetimeFigureOut">
               <a:rPr lang="en-US" smtClean="0"/>
-              <a:t>11/9/2019</a:t>
+              <a:t>11/27/2019</a:t>
             </a:fld>
             <a:endParaRPr lang="en-US"/>
           </a:p>
@@ -13732,6 +13737,352 @@
           </a:p>
         </p:txBody>
       </p:sp>
+      <p:grpSp>
+        <p:nvGrpSpPr>
+          <p:cNvPr id="6" name="Group 5">
+            <a:extLst>
+              <a:ext uri="{FF2B5EF4-FFF2-40B4-BE49-F238E27FC236}">
+                <a16:creationId xmlns:a16="http://schemas.microsoft.com/office/drawing/2014/main" id="{0B714E63-98C1-4C77-BFF5-4B4A889979CF}"/>
+              </a:ext>
+            </a:extLst>
+          </p:cNvPr>
+          <p:cNvGrpSpPr/>
+          <p:nvPr/>
+        </p:nvGrpSpPr>
+        <p:grpSpPr>
+          <a:xfrm>
+            <a:off x="5664257" y="3518801"/>
+            <a:ext cx="1932883" cy="461665"/>
+            <a:chOff x="5664257" y="3518801"/>
+            <a:chExt cx="1932883" cy="461665"/>
+          </a:xfrm>
+        </p:grpSpPr>
+        <p:sp>
+          <p:nvSpPr>
+            <p:cNvPr id="14" name="TextBox 13">
+              <a:extLst>
+                <a:ext uri="{FF2B5EF4-FFF2-40B4-BE49-F238E27FC236}">
+                  <a16:creationId xmlns:a16="http://schemas.microsoft.com/office/drawing/2014/main" id="{5D470450-648C-4ABD-9EBF-22533D05EC04}"/>
+                </a:ext>
+              </a:extLst>
+            </p:cNvPr>
+            <p:cNvSpPr txBox="1"/>
+            <p:nvPr/>
+          </p:nvSpPr>
+          <p:spPr>
+            <a:xfrm>
+              <a:off x="5664257" y="3518801"/>
+              <a:ext cx="1932883" cy="461665"/>
+            </a:xfrm>
+            <a:prstGeom prst="rect">
+              <a:avLst/>
+            </a:prstGeom>
+            <a:noFill/>
+            <a:ln>
+              <a:noFill/>
+            </a:ln>
+          </p:spPr>
+          <p:txBody>
+            <a:bodyPr wrap="square" rtlCol="0">
+              <a:spAutoFit/>
+            </a:bodyPr>
+            <a:lstStyle/>
+            <a:p>
+              <a:r>
+                <a:rPr lang="en-US" sz="2400" dirty="0">
+                  <a:solidFill>
+                    <a:schemeClr val="bg1"/>
+                  </a:solidFill>
+                  <a:latin typeface="Biome" panose="020B0503030204020804" pitchFamily="34" charset="0"/>
+                  <a:ea typeface="STHupo" panose="020B0503020204020204" pitchFamily="2" charset="-122"/>
+                  <a:cs typeface="Biome" panose="020B0503030204020804" pitchFamily="34" charset="0"/>
+                </a:rPr>
+                <a:t>G</a:t>
+              </a:r>
+              <a:r>
+                <a:rPr lang="en-US" sz="1600" dirty="0">
+                  <a:solidFill>
+                    <a:schemeClr val="bg1"/>
+                  </a:solidFill>
+                  <a:latin typeface="Biome" panose="020B0503030204020804" pitchFamily="34" charset="0"/>
+                  <a:ea typeface="STHupo" panose="020B0503020204020204" pitchFamily="2" charset="-122"/>
+                  <a:cs typeface="Biome" panose="020B0503030204020804" pitchFamily="34" charset="0"/>
+                </a:rPr>
+                <a:t>ANESH</a:t>
+              </a:r>
+              <a:r>
+                <a:rPr lang="en-US" sz="2000" dirty="0">
+                  <a:solidFill>
+                    <a:schemeClr val="bg1"/>
+                  </a:solidFill>
+                  <a:latin typeface="Biome" panose="020B0503030204020804" pitchFamily="34" charset="0"/>
+                  <a:ea typeface="STHupo" panose="020B0503020204020204" pitchFamily="2" charset="-122"/>
+                  <a:cs typeface="Biome" panose="020B0503030204020804" pitchFamily="34" charset="0"/>
+                </a:rPr>
+                <a:t> </a:t>
+              </a:r>
+              <a:r>
+                <a:rPr lang="en-US" sz="1600" dirty="0">
+                  <a:solidFill>
+                    <a:schemeClr val="bg1"/>
+                  </a:solidFill>
+                  <a:latin typeface="Biome" panose="020B0503030204020804" pitchFamily="34" charset="0"/>
+                  <a:ea typeface="STHupo" panose="020B0503020204020204" pitchFamily="2" charset="-122"/>
+                  <a:cs typeface="Biome" panose="020B0503030204020804" pitchFamily="34" charset="0"/>
+                </a:rPr>
+                <a:t>KEDARI</a:t>
+              </a:r>
+              <a:endParaRPr lang="en-US" sz="2000" dirty="0">
+                <a:solidFill>
+                  <a:schemeClr val="bg1"/>
+                </a:solidFill>
+                <a:latin typeface="Biome" panose="020B0503030204020804" pitchFamily="34" charset="0"/>
+                <a:ea typeface="STHupo" panose="020B0503020204020204" pitchFamily="2" charset="-122"/>
+                <a:cs typeface="Biome" panose="020B0503030204020804" pitchFamily="34" charset="0"/>
+              </a:endParaRPr>
+            </a:p>
+          </p:txBody>
+        </p:sp>
+        <p:cxnSp>
+          <p:nvCxnSpPr>
+            <p:cNvPr id="15" name="Straight Connector 14">
+              <a:extLst>
+                <a:ext uri="{FF2B5EF4-FFF2-40B4-BE49-F238E27FC236}">
+                  <a16:creationId xmlns:a16="http://schemas.microsoft.com/office/drawing/2014/main" id="{61255D33-7DFB-4052-89FB-2B68552FF350}"/>
+                </a:ext>
+              </a:extLst>
+            </p:cNvPr>
+            <p:cNvCxnSpPr>
+              <a:cxnSpLocks/>
+            </p:cNvCxnSpPr>
+            <p:nvPr/>
+          </p:nvCxnSpPr>
+          <p:spPr>
+            <a:xfrm>
+              <a:off x="5968537" y="3664564"/>
+              <a:ext cx="1439037" cy="0"/>
+            </a:xfrm>
+            <a:prstGeom prst="line">
+              <a:avLst/>
+            </a:prstGeom>
+            <a:ln w="19050">
+              <a:solidFill>
+                <a:schemeClr val="bg1"/>
+              </a:solidFill>
+            </a:ln>
+          </p:spPr>
+          <p:style>
+            <a:lnRef idx="1">
+              <a:schemeClr val="accent1"/>
+            </a:lnRef>
+            <a:fillRef idx="0">
+              <a:schemeClr val="accent1"/>
+            </a:fillRef>
+            <a:effectRef idx="0">
+              <a:schemeClr val="accent1"/>
+            </a:effectRef>
+            <a:fontRef idx="minor">
+              <a:schemeClr val="tx1"/>
+            </a:fontRef>
+          </p:style>
+        </p:cxnSp>
+        <p:cxnSp>
+          <p:nvCxnSpPr>
+            <p:cNvPr id="16" name="Straight Connector 15">
+              <a:extLst>
+                <a:ext uri="{FF2B5EF4-FFF2-40B4-BE49-F238E27FC236}">
+                  <a16:creationId xmlns:a16="http://schemas.microsoft.com/office/drawing/2014/main" id="{59518A7B-722F-4658-AC69-5EF7B94B06A0}"/>
+                </a:ext>
+              </a:extLst>
+            </p:cNvPr>
+            <p:cNvCxnSpPr>
+              <a:cxnSpLocks/>
+            </p:cNvCxnSpPr>
+            <p:nvPr/>
+          </p:nvCxnSpPr>
+          <p:spPr>
+            <a:xfrm>
+              <a:off x="7473381" y="3667738"/>
+              <a:ext cx="0" cy="0"/>
+            </a:xfrm>
+            <a:prstGeom prst="line">
+              <a:avLst/>
+            </a:prstGeom>
+            <a:ln w="19050">
+              <a:solidFill>
+                <a:schemeClr val="bg1"/>
+              </a:solidFill>
+            </a:ln>
+          </p:spPr>
+          <p:style>
+            <a:lnRef idx="1">
+              <a:schemeClr val="accent1"/>
+            </a:lnRef>
+            <a:fillRef idx="0">
+              <a:schemeClr val="accent1"/>
+            </a:fillRef>
+            <a:effectRef idx="0">
+              <a:schemeClr val="accent1"/>
+            </a:effectRef>
+            <a:fontRef idx="minor">
+              <a:schemeClr val="tx1"/>
+            </a:fontRef>
+          </p:style>
+        </p:cxnSp>
+        <p:grpSp>
+          <p:nvGrpSpPr>
+            <p:cNvPr id="17" name="Group 16">
+              <a:extLst>
+                <a:ext uri="{FF2B5EF4-FFF2-40B4-BE49-F238E27FC236}">
+                  <a16:creationId xmlns:a16="http://schemas.microsoft.com/office/drawing/2014/main" id="{CF866DC2-982E-47C4-BD93-1DB886AA1163}"/>
+                </a:ext>
+              </a:extLst>
+            </p:cNvPr>
+            <p:cNvGrpSpPr/>
+            <p:nvPr/>
+          </p:nvGrpSpPr>
+          <p:grpSpPr>
+            <a:xfrm>
+              <a:off x="6171363" y="3805120"/>
+              <a:ext cx="1079830" cy="175343"/>
+              <a:chOff x="1761437" y="1148629"/>
+              <a:chExt cx="1079830" cy="220652"/>
+            </a:xfrm>
+          </p:grpSpPr>
+          <p:sp>
+            <p:nvSpPr>
+              <p:cNvPr id="19" name="Rectangle 18">
+                <a:extLst>
+                  <a:ext uri="{FF2B5EF4-FFF2-40B4-BE49-F238E27FC236}">
+                    <a16:creationId xmlns:a16="http://schemas.microsoft.com/office/drawing/2014/main" id="{53017CA4-0077-4F14-8535-A9445DBC2FAA}"/>
+                  </a:ext>
+                </a:extLst>
+              </p:cNvPr>
+              <p:cNvSpPr/>
+              <p:nvPr/>
+            </p:nvSpPr>
+            <p:spPr>
+              <a:xfrm>
+                <a:off x="1761437" y="1153837"/>
+                <a:ext cx="856325" cy="215444"/>
+              </a:xfrm>
+              <a:prstGeom prst="rect">
+                <a:avLst/>
+              </a:prstGeom>
+            </p:spPr>
+            <p:txBody>
+              <a:bodyPr wrap="none">
+                <a:spAutoFit/>
+              </a:bodyPr>
+              <a:lstStyle/>
+              <a:p>
+                <a:r>
+                  <a:rPr lang="en-US" sz="800" dirty="0">
+                    <a:solidFill>
+                      <a:schemeClr val="bg1"/>
+                    </a:solidFill>
+                    <a:latin typeface="Biome Light" panose="020B0502040204020203" pitchFamily="34" charset="0"/>
+                    <a:ea typeface="STHupo" panose="020B0503020204020204" pitchFamily="2" charset="-122"/>
+                    <a:cs typeface="Biome Light" panose="020B0502040204020203" pitchFamily="34" charset="0"/>
+                  </a:rPr>
+                  <a:t> Atelier of a G</a:t>
+                </a:r>
+                <a:endParaRPr lang="en-US" dirty="0">
+                  <a:latin typeface="Biome Light" panose="020B0502040204020203" pitchFamily="34" charset="0"/>
+                  <a:cs typeface="Biome Light" panose="020B0502040204020203" pitchFamily="34" charset="0"/>
+                </a:endParaRPr>
+              </a:p>
+            </p:txBody>
+          </p:sp>
+          <p:sp>
+            <p:nvSpPr>
+              <p:cNvPr id="20" name="Rectangle 19">
+                <a:extLst>
+                  <a:ext uri="{FF2B5EF4-FFF2-40B4-BE49-F238E27FC236}">
+                    <a16:creationId xmlns:a16="http://schemas.microsoft.com/office/drawing/2014/main" id="{7CB2764D-3F1F-493F-B74F-8B81FCFB2C16}"/>
+                  </a:ext>
+                </a:extLst>
+              </p:cNvPr>
+              <p:cNvSpPr/>
+              <p:nvPr/>
+            </p:nvSpPr>
+            <p:spPr>
+              <a:xfrm>
+                <a:off x="2436397" y="1176920"/>
+                <a:ext cx="404870" cy="169277"/>
+              </a:xfrm>
+              <a:prstGeom prst="rect">
+                <a:avLst/>
+              </a:prstGeom>
+            </p:spPr>
+            <p:txBody>
+              <a:bodyPr wrap="square">
+                <a:spAutoFit/>
+              </a:bodyPr>
+              <a:lstStyle/>
+              <a:p>
+                <a:r>
+                  <a:rPr lang="en-US" sz="500" dirty="0">
+                    <a:solidFill>
+                      <a:schemeClr val="bg1"/>
+                    </a:solidFill>
+                    <a:latin typeface="Biome Light" panose="020B0502040204020203" pitchFamily="34" charset="0"/>
+                    <a:ea typeface="STHupo" panose="020B0503020204020204" pitchFamily="2" charset="-122"/>
+                    <a:cs typeface="Biome Light" panose="020B0502040204020203" pitchFamily="34" charset="0"/>
+                  </a:rPr>
+                  <a:t>∑∑</a:t>
+                </a:r>
+                <a:endParaRPr lang="en-US" sz="1400" dirty="0"/>
+              </a:p>
+            </p:txBody>
+          </p:sp>
+          <p:sp>
+            <p:nvSpPr>
+              <p:cNvPr id="22" name="Rectangle 21">
+                <a:extLst>
+                  <a:ext uri="{FF2B5EF4-FFF2-40B4-BE49-F238E27FC236}">
+                    <a16:creationId xmlns:a16="http://schemas.microsoft.com/office/drawing/2014/main" id="{17FB70D3-ADFA-4292-9919-8B41D851E485}"/>
+                  </a:ext>
+                </a:extLst>
+              </p:cNvPr>
+              <p:cNvSpPr/>
+              <p:nvPr/>
+            </p:nvSpPr>
+            <p:spPr>
+              <a:xfrm>
+                <a:off x="2538743" y="1148629"/>
+                <a:ext cx="251992" cy="215444"/>
+              </a:xfrm>
+              <a:prstGeom prst="rect">
+                <a:avLst/>
+              </a:prstGeom>
+            </p:spPr>
+            <p:txBody>
+              <a:bodyPr wrap="none">
+                <a:spAutoFit/>
+              </a:bodyPr>
+              <a:lstStyle/>
+              <a:p>
+                <a:r>
+                  <a:rPr lang="en-US" sz="800" dirty="0">
+                    <a:solidFill>
+                      <a:schemeClr val="bg1"/>
+                    </a:solidFill>
+                    <a:latin typeface="Biome Light" panose="020B0502040204020203" pitchFamily="34" charset="0"/>
+                    <a:ea typeface="STHupo" panose="020B0503020204020204" pitchFamily="2" charset="-122"/>
+                    <a:cs typeface="Biome Light" panose="020B0502040204020203" pitchFamily="34" charset="0"/>
+                  </a:rPr>
+                  <a:t>K</a:t>
+                </a:r>
+                <a:endParaRPr lang="en-US" dirty="0">
+                  <a:latin typeface="Biome Light" panose="020B0502040204020203" pitchFamily="34" charset="0"/>
+                  <a:cs typeface="Biome Light" panose="020B0502040204020203" pitchFamily="34" charset="0"/>
+                </a:endParaRPr>
+              </a:p>
+            </p:txBody>
+          </p:sp>
+        </p:grpSp>
+      </p:grpSp>
     </p:spTree>
     <p:extLst>
       <p:ext uri="{BB962C8B-B14F-4D97-AF65-F5344CB8AC3E}">
